--- a/doc/70-483.pptx
+++ b/doc/70-483.pptx
@@ -350,7 +350,7 @@
             <a:fld id="{B61BEF0D-F0BB-DE4B-95CE-6DB70DBA9567}" type="datetimeFigureOut">
               <a:rPr lang="en-US" dirty="0"/>
               <a:pPr/>
-              <a:t>7/19/2020</a:t>
+              <a:t>7/20/2020</a:t>
             </a:fld>
             <a:endParaRPr lang="en-US" dirty="0"/>
           </a:p>
@@ -685,7 +685,7 @@
             <a:fld id="{B61BEF0D-F0BB-DE4B-95CE-6DB70DBA9567}" type="datetimeFigureOut">
               <a:rPr lang="en-US" dirty="0"/>
               <a:pPr/>
-              <a:t>7/19/2020</a:t>
+              <a:t>7/20/2020</a:t>
             </a:fld>
             <a:endParaRPr lang="en-US" dirty="0"/>
           </a:p>
@@ -1083,7 +1083,7 @@
             <a:fld id="{B61BEF0D-F0BB-DE4B-95CE-6DB70DBA9567}" type="datetimeFigureOut">
               <a:rPr lang="en-US" dirty="0"/>
               <a:pPr/>
-              <a:t>7/19/2020</a:t>
+              <a:t>7/20/2020</a:t>
             </a:fld>
             <a:endParaRPr lang="en-US" dirty="0"/>
           </a:p>
@@ -1416,7 +1416,7 @@
             <a:fld id="{B61BEF0D-F0BB-DE4B-95CE-6DB70DBA9567}" type="datetimeFigureOut">
               <a:rPr lang="en-US" dirty="0"/>
               <a:pPr/>
-              <a:t>7/19/2020</a:t>
+              <a:t>7/20/2020</a:t>
             </a:fld>
             <a:endParaRPr lang="en-US" dirty="0"/>
           </a:p>
@@ -1733,7 +1733,7 @@
             <a:fld id="{B61BEF0D-F0BB-DE4B-95CE-6DB70DBA9567}" type="datetimeFigureOut">
               <a:rPr lang="en-US" dirty="0"/>
               <a:pPr/>
-              <a:t>7/19/2020</a:t>
+              <a:t>7/20/2020</a:t>
             </a:fld>
             <a:endParaRPr lang="en-US" dirty="0"/>
           </a:p>
@@ -2126,7 +2126,7 @@
             <a:fld id="{B61BEF0D-F0BB-DE4B-95CE-6DB70DBA9567}" type="datetimeFigureOut">
               <a:rPr lang="en-US" dirty="0"/>
               <a:pPr/>
-              <a:t>7/19/2020</a:t>
+              <a:t>7/20/2020</a:t>
             </a:fld>
             <a:endParaRPr lang="en-US" dirty="0"/>
           </a:p>
@@ -2380,7 +2380,7 @@
             <a:fld id="{B61BEF0D-F0BB-DE4B-95CE-6DB70DBA9567}" type="datetimeFigureOut">
               <a:rPr lang="en-US" dirty="0"/>
               <a:pPr/>
-              <a:t>7/19/2020</a:t>
+              <a:t>7/20/2020</a:t>
             </a:fld>
             <a:endParaRPr lang="en-US" dirty="0"/>
           </a:p>
@@ -2639,7 +2639,7 @@
             <a:fld id="{B61BEF0D-F0BB-DE4B-95CE-6DB70DBA9567}" type="datetimeFigureOut">
               <a:rPr lang="en-US" dirty="0"/>
               <a:pPr/>
-              <a:t>7/19/2020</a:t>
+              <a:t>7/20/2020</a:t>
             </a:fld>
             <a:endParaRPr lang="en-US" dirty="0"/>
           </a:p>
@@ -2898,7 +2898,7 @@
             <a:fld id="{B61BEF0D-F0BB-DE4B-95CE-6DB70DBA9567}" type="datetimeFigureOut">
               <a:rPr lang="en-US" dirty="0"/>
               <a:pPr/>
-              <a:t>7/19/2020</a:t>
+              <a:t>7/20/2020</a:t>
             </a:fld>
             <a:endParaRPr lang="en-US" dirty="0"/>
           </a:p>
@@ -3224,7 +3224,7 @@
             <a:fld id="{B61BEF0D-F0BB-DE4B-95CE-6DB70DBA9567}" type="datetimeFigureOut">
               <a:rPr lang="en-US" dirty="0"/>
               <a:pPr/>
-              <a:t>7/19/2020</a:t>
+              <a:t>7/20/2020</a:t>
             </a:fld>
             <a:endParaRPr lang="en-US" dirty="0"/>
           </a:p>
@@ -3544,7 +3544,7 @@
             <a:fld id="{B61BEF0D-F0BB-DE4B-95CE-6DB70DBA9567}" type="datetimeFigureOut">
               <a:rPr lang="en-US" dirty="0"/>
               <a:pPr/>
-              <a:t>7/19/2020</a:t>
+              <a:t>7/20/2020</a:t>
             </a:fld>
             <a:endParaRPr lang="en-US" dirty="0"/>
           </a:p>
@@ -3998,7 +3998,7 @@
             <a:fld id="{B61BEF0D-F0BB-DE4B-95CE-6DB70DBA9567}" type="datetimeFigureOut">
               <a:rPr lang="en-US" dirty="0"/>
               <a:pPr/>
-              <a:t>7/19/2020</a:t>
+              <a:t>7/20/2020</a:t>
             </a:fld>
             <a:endParaRPr lang="en-US" dirty="0"/>
           </a:p>
@@ -4200,7 +4200,7 @@
             <a:fld id="{B61BEF0D-F0BB-DE4B-95CE-6DB70DBA9567}" type="datetimeFigureOut">
               <a:rPr lang="en-US" dirty="0"/>
               <a:pPr/>
-              <a:t>7/19/2020</a:t>
+              <a:t>7/20/2020</a:t>
             </a:fld>
             <a:endParaRPr lang="en-US" dirty="0"/>
           </a:p>
@@ -4374,7 +4374,7 @@
             <a:fld id="{B61BEF0D-F0BB-DE4B-95CE-6DB70DBA9567}" type="datetimeFigureOut">
               <a:rPr lang="en-US" dirty="0"/>
               <a:pPr/>
-              <a:t>7/19/2020</a:t>
+              <a:t>7/20/2020</a:t>
             </a:fld>
             <a:endParaRPr lang="en-US" dirty="0"/>
           </a:p>
@@ -4704,7 +4704,7 @@
             <a:fld id="{B61BEF0D-F0BB-DE4B-95CE-6DB70DBA9567}" type="datetimeFigureOut">
               <a:rPr lang="en-US" dirty="0"/>
               <a:pPr/>
-              <a:t>7/19/2020</a:t>
+              <a:t>7/20/2020</a:t>
             </a:fld>
             <a:endParaRPr lang="en-US" dirty="0"/>
           </a:p>
@@ -5046,7 +5046,7 @@
             <a:fld id="{B61BEF0D-F0BB-DE4B-95CE-6DB70DBA9567}" type="datetimeFigureOut">
               <a:rPr lang="en-US" dirty="0"/>
               <a:pPr/>
-              <a:t>7/19/2020</a:t>
+              <a:t>7/20/2020</a:t>
             </a:fld>
             <a:endParaRPr lang="en-US" dirty="0"/>
           </a:p>
@@ -7165,7 +7165,7 @@
             <a:fld id="{B61BEF0D-F0BB-DE4B-95CE-6DB70DBA9567}" type="datetimeFigureOut">
               <a:rPr lang="en-US" dirty="0"/>
               <a:pPr/>
-              <a:t>7/19/2020</a:t>
+              <a:t>7/20/2020</a:t>
             </a:fld>
             <a:endParaRPr lang="en-US" dirty="0"/>
           </a:p>
@@ -10030,18 +10030,13 @@
             </a:r>
             <a:r>
               <a:rPr lang="pl-PL" sz="2400" dirty="0"/>
-              <a:t>:</a:t>
-            </a:r>
-          </a:p>
-          <a:p>
-            <a:pPr marL="0" indent="0">
-              <a:buNone/>
-            </a:pPr>
+              <a:t>: </a:t>
+            </a:r>
             <a:r>
               <a:rPr lang="en-US" sz="2400" dirty="0">
                 <a:hlinkClick r:id="rId3"/>
               </a:rPr>
-              <a:t>https://github.com/krzyzaw/Prezentacje/tree/master/CommandHandler</a:t>
+              <a:t>https://github.com/krzyzaw/70-483</a:t>
             </a:r>
             <a:endParaRPr lang="en-US" sz="2400" dirty="0"/>
           </a:p>

--- a/doc/70-483.pptx
+++ b/doc/70-483.pptx
@@ -16906,13 +16906,7 @@
           <a:p>
             <a:r>
               <a:rPr lang="pl-PL" dirty="0"/>
-              <a:t>Dziękuję </a:t>
-            </a:r>
-            <a:r>
-              <a:rPr lang="pl-PL" dirty="0">
-                <a:sym typeface="Wingdings" panose="05000000000000000000" pitchFamily="2" charset="2"/>
-              </a:rPr>
-              <a:t></a:t>
+              <a:t>Dziękuję</a:t>
             </a:r>
             <a:endParaRPr lang="en-US" dirty="0"/>
           </a:p>
@@ -16920,10 +16914,10 @@
       </p:sp>
       <p:sp>
         <p:nvSpPr>
-          <p:cNvPr id="3" name="Symbol zastępczy zawartości 2">
+          <p:cNvPr id="5" name="Symbol zastępczy zawartości 4">
             <a:extLst>
               <a:ext uri="{FF2B5EF4-FFF2-40B4-BE49-F238E27FC236}">
-                <a16:creationId xmlns:a16="http://schemas.microsoft.com/office/drawing/2014/main" id="{F7119EF7-AA37-4108-9471-11567A246C5F}"/>
+                <a16:creationId xmlns:a16="http://schemas.microsoft.com/office/drawing/2014/main" id="{0F213923-6D83-4803-AC39-DA773E7015EC}"/>
               </a:ext>
             </a:extLst>
           </p:cNvPr>
@@ -16936,39 +16930,16 @@
         </p:nvSpPr>
         <p:spPr/>
         <p:txBody>
-          <a:bodyPr>
-            <a:normAutofit/>
-          </a:bodyPr>
+          <a:bodyPr/>
           <a:lstStyle/>
           <a:p>
             <a:r>
-              <a:rPr lang="pl-PL" sz="2400" dirty="0">
+              <a:rPr lang="en-US" dirty="0">
                 <a:hlinkClick r:id="rId2"/>
               </a:rPr>
-              <a:t>https://github.com/krzyzaw/Prezentacje/tree/master/CommandHandler</a:t>
-            </a:r>
-            <a:endParaRPr lang="pl-PL" sz="2400" dirty="0"/>
-          </a:p>
-          <a:p>
-            <a:r>
-              <a:rPr lang="pl-PL" sz="2400" dirty="0"/>
-              <a:t>Bardzo proszę o feedback </a:t>
-            </a:r>
-            <a:r>
-              <a:rPr lang="pl-PL" sz="2400" dirty="0">
-                <a:sym typeface="Wingdings" panose="05000000000000000000" pitchFamily="2" charset="2"/>
-              </a:rPr>
-              <a:t></a:t>
-            </a:r>
-          </a:p>
-          <a:p>
-            <a:r>
-              <a:rPr lang="pl-PL" sz="2400" dirty="0">
-                <a:sym typeface="Wingdings" panose="05000000000000000000" pitchFamily="2" charset="2"/>
-              </a:rPr>
-              <a:t>zawistowski.zawisz@gmail.com</a:t>
-            </a:r>
-            <a:endParaRPr lang="en-US" sz="2400" dirty="0"/>
+              <a:t>https://github.com/krzyzaw/70-483</a:t>
+            </a:r>
+            <a:endParaRPr lang="en-US" dirty="0"/>
           </a:p>
         </p:txBody>
       </p:sp>
